--- a/湯田温泉旅館協同組合 管理者様向けセキュリティ研修1026.pptx
+++ b/湯田温泉旅館協同組合 管理者様向けセキュリティ研修1026.pptx
@@ -231,7 +231,7 @@
           <a:p>
             <a:fld id="{5ADBE105-F661-4A75-A0B6-87AAF7B285E5}" type="datetimeFigureOut">
               <a:rPr kumimoji="1" lang="ja-JP" altLang="en-US" smtClean="0"/>
-              <a:t>2023/10/26</a:t>
+              <a:t>2023/10/29</a:t>
             </a:fld>
             <a:endParaRPr kumimoji="1" lang="ja-JP" altLang="en-US"/>
           </a:p>
@@ -2288,7 +2288,7 @@
           <a:p>
             <a:fld id="{2282A13E-C621-4042-ABD3-534ABBC98045}" type="datetimeFigureOut">
               <a:rPr kumimoji="1" lang="ja-JP" altLang="en-US" smtClean="0"/>
-              <a:t>2023/10/26</a:t>
+              <a:t>2023/10/29</a:t>
             </a:fld>
             <a:endParaRPr kumimoji="1" lang="ja-JP" altLang="en-US"/>
           </a:p>
@@ -2518,7 +2518,7 @@
           <a:p>
             <a:fld id="{2282A13E-C621-4042-ABD3-534ABBC98045}" type="datetimeFigureOut">
               <a:rPr kumimoji="1" lang="ja-JP" altLang="en-US" smtClean="0"/>
-              <a:t>2023/10/26</a:t>
+              <a:t>2023/10/29</a:t>
             </a:fld>
             <a:endParaRPr kumimoji="1" lang="ja-JP" altLang="en-US"/>
           </a:p>
@@ -2793,7 +2793,7 @@
           <a:p>
             <a:fld id="{2282A13E-C621-4042-ABD3-534ABBC98045}" type="datetimeFigureOut">
               <a:rPr kumimoji="1" lang="ja-JP" altLang="en-US" smtClean="0"/>
-              <a:t>2023/10/26</a:t>
+              <a:t>2023/10/29</a:t>
             </a:fld>
             <a:endParaRPr kumimoji="1" lang="ja-JP" altLang="en-US"/>
           </a:p>
@@ -3122,7 +3122,7 @@
           <a:p>
             <a:fld id="{2282A13E-C621-4042-ABD3-534ABBC98045}" type="datetimeFigureOut">
               <a:rPr kumimoji="1" lang="ja-JP" altLang="en-US" smtClean="0"/>
-              <a:t>2023/10/26</a:t>
+              <a:t>2023/10/29</a:t>
             </a:fld>
             <a:endParaRPr kumimoji="1" lang="ja-JP" altLang="en-US"/>
           </a:p>
@@ -3598,7 +3598,7 @@
           <a:p>
             <a:fld id="{2282A13E-C621-4042-ABD3-534ABBC98045}" type="datetimeFigureOut">
               <a:rPr kumimoji="1" lang="ja-JP" altLang="en-US" smtClean="0"/>
-              <a:t>2023/10/26</a:t>
+              <a:t>2023/10/29</a:t>
             </a:fld>
             <a:endParaRPr kumimoji="1" lang="ja-JP" altLang="en-US"/>
           </a:p>
@@ -3739,7 +3739,7 @@
           <a:p>
             <a:fld id="{2282A13E-C621-4042-ABD3-534ABBC98045}" type="datetimeFigureOut">
               <a:rPr kumimoji="1" lang="ja-JP" altLang="en-US" smtClean="0"/>
-              <a:t>2023/10/26</a:t>
+              <a:t>2023/10/29</a:t>
             </a:fld>
             <a:endParaRPr kumimoji="1" lang="ja-JP" altLang="en-US"/>
           </a:p>
@@ -3852,7 +3852,7 @@
           <a:p>
             <a:fld id="{2282A13E-C621-4042-ABD3-534ABBC98045}" type="datetimeFigureOut">
               <a:rPr kumimoji="1" lang="ja-JP" altLang="en-US" smtClean="0"/>
-              <a:t>2023/10/26</a:t>
+              <a:t>2023/10/29</a:t>
             </a:fld>
             <a:endParaRPr kumimoji="1" lang="ja-JP" altLang="en-US"/>
           </a:p>
@@ -4195,7 +4195,7 @@
           <a:p>
             <a:fld id="{2282A13E-C621-4042-ABD3-534ABBC98045}" type="datetimeFigureOut">
               <a:rPr kumimoji="1" lang="ja-JP" altLang="en-US" smtClean="0"/>
-              <a:t>2023/10/26</a:t>
+              <a:t>2023/10/29</a:t>
             </a:fld>
             <a:endParaRPr kumimoji="1" lang="ja-JP" altLang="en-US"/>
           </a:p>
@@ -4635,7 +4635,7 @@
           <a:p>
             <a:fld id="{2282A13E-C621-4042-ABD3-534ABBC98045}" type="datetimeFigureOut">
               <a:rPr kumimoji="1" lang="ja-JP" altLang="en-US" smtClean="0"/>
-              <a:t>2023/10/26</a:t>
+              <a:t>2023/10/29</a:t>
             </a:fld>
             <a:endParaRPr kumimoji="1" lang="ja-JP" altLang="en-US"/>
           </a:p>
@@ -4865,7 +4865,7 @@
           <a:p>
             <a:fld id="{2282A13E-C621-4042-ABD3-534ABBC98045}" type="datetimeFigureOut">
               <a:rPr kumimoji="1" lang="ja-JP" altLang="en-US" smtClean="0"/>
-              <a:t>2023/10/26</a:t>
+              <a:t>2023/10/29</a:t>
             </a:fld>
             <a:endParaRPr kumimoji="1" lang="ja-JP" altLang="en-US"/>
           </a:p>
@@ -5105,7 +5105,7 @@
           <a:p>
             <a:fld id="{2282A13E-C621-4042-ABD3-534ABBC98045}" type="datetimeFigureOut">
               <a:rPr kumimoji="1" lang="ja-JP" altLang="en-US" smtClean="0"/>
-              <a:t>2023/10/26</a:t>
+              <a:t>2023/10/29</a:t>
             </a:fld>
             <a:endParaRPr kumimoji="1" lang="ja-JP" altLang="en-US"/>
           </a:p>
@@ -13915,7 +13915,7 @@
           <a:p>
             <a:fld id="{2282A13E-C621-4042-ABD3-534ABBC98045}" type="datetimeFigureOut">
               <a:rPr kumimoji="1" lang="ja-JP" altLang="en-US" smtClean="0"/>
-              <a:t>2023/10/26</a:t>
+              <a:t>2023/10/29</a:t>
             </a:fld>
             <a:endParaRPr kumimoji="1" lang="ja-JP" altLang="en-US"/>
           </a:p>
@@ -15646,17 +15646,31 @@
               </a:rPr>
             </a:br>
             <a:br>
-              <a:rPr lang="en-US" altLang="ja-JP" sz="2700" b="1" dirty="0">
+              <a:rPr lang="en-US" altLang="ja-JP" sz="2700" b="1">
                 <a:ea typeface="Meiryo UI" panose="020B0604030504040204" pitchFamily="50" charset="-128"/>
               </a:rPr>
             </a:br>
+            <a:r>
+              <a:rPr lang="en-US" altLang="ja-JP" sz="2700" b="1">
+                <a:ea typeface="Meiryo UI" panose="020B0604030504040204" pitchFamily="50" charset="-128"/>
+              </a:rPr>
+              <a:t>1</a:t>
+            </a:r>
+            <a:r>
+              <a:rPr lang="ja-JP" altLang="en-US" sz="2200" b="1">
+                <a:latin typeface="+mn-lt"/>
+                <a:ea typeface="游ゴシック" panose="020B0400000000000000" pitchFamily="50" charset="-128"/>
+                <a:cs typeface="ＭＳ Ｐゴシック" panose="020B0600070205080204" pitchFamily="50" charset="-128"/>
+              </a:rPr>
+              <a:t>テーマ</a:t>
+            </a:r>
             <a:r>
               <a:rPr lang="ja-JP" altLang="en-US" sz="2200" b="1" dirty="0">
                 <a:latin typeface="+mn-lt"/>
                 <a:ea typeface="游ゴシック" panose="020B0400000000000000" pitchFamily="50" charset="-128"/>
                 <a:cs typeface="ＭＳ Ｐゴシック" panose="020B0600070205080204" pitchFamily="50" charset="-128"/>
               </a:rPr>
-              <a:t>テーマ：</a:t>
+              <a:t>：</a:t>
             </a:r>
             <a:r>
               <a:rPr lang="ja-JP" altLang="ja-JP" sz="2200" b="1" dirty="0">

--- a/湯田温泉旅館協同組合 管理者様向けセキュリティ研修1026.pptx
+++ b/湯田温泉旅館協同組合 管理者様向けセキュリティ研修1026.pptx
@@ -231,7 +231,7 @@
           <a:p>
             <a:fld id="{5ADBE105-F661-4A75-A0B6-87AAF7B285E5}" type="datetimeFigureOut">
               <a:rPr kumimoji="1" lang="ja-JP" altLang="en-US" smtClean="0"/>
-              <a:t>2023/10/29</a:t>
+              <a:t>2023/12/5</a:t>
             </a:fld>
             <a:endParaRPr kumimoji="1" lang="ja-JP" altLang="en-US"/>
           </a:p>
@@ -2288,7 +2288,7 @@
           <a:p>
             <a:fld id="{2282A13E-C621-4042-ABD3-534ABBC98045}" type="datetimeFigureOut">
               <a:rPr kumimoji="1" lang="ja-JP" altLang="en-US" smtClean="0"/>
-              <a:t>2023/10/29</a:t>
+              <a:t>2023/12/5</a:t>
             </a:fld>
             <a:endParaRPr kumimoji="1" lang="ja-JP" altLang="en-US"/>
           </a:p>
@@ -2518,7 +2518,7 @@
           <a:p>
             <a:fld id="{2282A13E-C621-4042-ABD3-534ABBC98045}" type="datetimeFigureOut">
               <a:rPr kumimoji="1" lang="ja-JP" altLang="en-US" smtClean="0"/>
-              <a:t>2023/10/29</a:t>
+              <a:t>2023/12/5</a:t>
             </a:fld>
             <a:endParaRPr kumimoji="1" lang="ja-JP" altLang="en-US"/>
           </a:p>
@@ -2793,7 +2793,7 @@
           <a:p>
             <a:fld id="{2282A13E-C621-4042-ABD3-534ABBC98045}" type="datetimeFigureOut">
               <a:rPr kumimoji="1" lang="ja-JP" altLang="en-US" smtClean="0"/>
-              <a:t>2023/10/29</a:t>
+              <a:t>2023/12/5</a:t>
             </a:fld>
             <a:endParaRPr kumimoji="1" lang="ja-JP" altLang="en-US"/>
           </a:p>
@@ -3122,7 +3122,7 @@
           <a:p>
             <a:fld id="{2282A13E-C621-4042-ABD3-534ABBC98045}" type="datetimeFigureOut">
               <a:rPr kumimoji="1" lang="ja-JP" altLang="en-US" smtClean="0"/>
-              <a:t>2023/10/29</a:t>
+              <a:t>2023/12/5</a:t>
             </a:fld>
             <a:endParaRPr kumimoji="1" lang="ja-JP" altLang="en-US"/>
           </a:p>
@@ -3598,7 +3598,7 @@
           <a:p>
             <a:fld id="{2282A13E-C621-4042-ABD3-534ABBC98045}" type="datetimeFigureOut">
               <a:rPr kumimoji="1" lang="ja-JP" altLang="en-US" smtClean="0"/>
-              <a:t>2023/10/29</a:t>
+              <a:t>2023/12/5</a:t>
             </a:fld>
             <a:endParaRPr kumimoji="1" lang="ja-JP" altLang="en-US"/>
           </a:p>
@@ -3739,7 +3739,7 @@
           <a:p>
             <a:fld id="{2282A13E-C621-4042-ABD3-534ABBC98045}" type="datetimeFigureOut">
               <a:rPr kumimoji="1" lang="ja-JP" altLang="en-US" smtClean="0"/>
-              <a:t>2023/10/29</a:t>
+              <a:t>2023/12/5</a:t>
             </a:fld>
             <a:endParaRPr kumimoji="1" lang="ja-JP" altLang="en-US"/>
           </a:p>
@@ -3852,7 +3852,7 @@
           <a:p>
             <a:fld id="{2282A13E-C621-4042-ABD3-534ABBC98045}" type="datetimeFigureOut">
               <a:rPr kumimoji="1" lang="ja-JP" altLang="en-US" smtClean="0"/>
-              <a:t>2023/10/29</a:t>
+              <a:t>2023/12/5</a:t>
             </a:fld>
             <a:endParaRPr kumimoji="1" lang="ja-JP" altLang="en-US"/>
           </a:p>
@@ -4195,7 +4195,7 @@
           <a:p>
             <a:fld id="{2282A13E-C621-4042-ABD3-534ABBC98045}" type="datetimeFigureOut">
               <a:rPr kumimoji="1" lang="ja-JP" altLang="en-US" smtClean="0"/>
-              <a:t>2023/10/29</a:t>
+              <a:t>2023/12/5</a:t>
             </a:fld>
             <a:endParaRPr kumimoji="1" lang="ja-JP" altLang="en-US"/>
           </a:p>
@@ -4635,7 +4635,7 @@
           <a:p>
             <a:fld id="{2282A13E-C621-4042-ABD3-534ABBC98045}" type="datetimeFigureOut">
               <a:rPr kumimoji="1" lang="ja-JP" altLang="en-US" smtClean="0"/>
-              <a:t>2023/10/29</a:t>
+              <a:t>2023/12/5</a:t>
             </a:fld>
             <a:endParaRPr kumimoji="1" lang="ja-JP" altLang="en-US"/>
           </a:p>
@@ -4865,7 +4865,7 @@
           <a:p>
             <a:fld id="{2282A13E-C621-4042-ABD3-534ABBC98045}" type="datetimeFigureOut">
               <a:rPr kumimoji="1" lang="ja-JP" altLang="en-US" smtClean="0"/>
-              <a:t>2023/10/29</a:t>
+              <a:t>2023/12/5</a:t>
             </a:fld>
             <a:endParaRPr kumimoji="1" lang="ja-JP" altLang="en-US"/>
           </a:p>
@@ -5105,7 +5105,7 @@
           <a:p>
             <a:fld id="{2282A13E-C621-4042-ABD3-534ABBC98045}" type="datetimeFigureOut">
               <a:rPr kumimoji="1" lang="ja-JP" altLang="en-US" smtClean="0"/>
-              <a:t>2023/10/29</a:t>
+              <a:t>2023/12/5</a:t>
             </a:fld>
             <a:endParaRPr kumimoji="1" lang="ja-JP" altLang="en-US"/>
           </a:p>
@@ -13915,7 +13915,7 @@
           <a:p>
             <a:fld id="{2282A13E-C621-4042-ABD3-534ABBC98045}" type="datetimeFigureOut">
               <a:rPr kumimoji="1" lang="ja-JP" altLang="en-US" smtClean="0"/>
-              <a:t>2023/10/29</a:t>
+              <a:t>2023/12/5</a:t>
             </a:fld>
             <a:endParaRPr kumimoji="1" lang="ja-JP" altLang="en-US"/>
           </a:p>
@@ -15654,7 +15654,7 @@
               <a:rPr lang="en-US" altLang="ja-JP" sz="2700" b="1">
                 <a:ea typeface="Meiryo UI" panose="020B0604030504040204" pitchFamily="50" charset="-128"/>
               </a:rPr>
-              <a:t>1</a:t>
+              <a:t>1--5</a:t>
             </a:r>
             <a:r>
               <a:rPr lang="ja-JP" altLang="en-US" sz="2200" b="1">
